--- a/component-diagram.pptx
+++ b/component-diagram.pptx
@@ -104,6 +104,11 @@
       </a:defRPr>
     </a:lvl9pPr>
   </p:defaultTextStyle>
+  <p:extLst>
+    <p:ext uri="{EFAFB233-063F-42B5-8137-9DF3F51BA10A}">
+      <p15:sldGuideLst xmlns:p15="http://schemas.microsoft.com/office/powerpoint/2012/main"/>
+    </p:ext>
+  </p:extLst>
 </p:presentation>
 </file>
 
@@ -254,7 +259,7 @@
           <a:p>
             <a:fld id="{21DD997E-D11E-4767-B618-91F74C4FEF29}" type="datetimeFigureOut">
               <a:rPr lang="de-DE" smtClean="0"/>
-              <a:t>06.06.2021</a:t>
+              <a:t>11.06.2021</a:t>
             </a:fld>
             <a:endParaRPr lang="de-DE"/>
           </a:p>
@@ -452,7 +457,7 @@
           <a:p>
             <a:fld id="{21DD997E-D11E-4767-B618-91F74C4FEF29}" type="datetimeFigureOut">
               <a:rPr lang="de-DE" smtClean="0"/>
-              <a:t>06.06.2021</a:t>
+              <a:t>11.06.2021</a:t>
             </a:fld>
             <a:endParaRPr lang="de-DE"/>
           </a:p>
@@ -660,7 +665,7 @@
           <a:p>
             <a:fld id="{21DD997E-D11E-4767-B618-91F74C4FEF29}" type="datetimeFigureOut">
               <a:rPr lang="de-DE" smtClean="0"/>
-              <a:t>06.06.2021</a:t>
+              <a:t>11.06.2021</a:t>
             </a:fld>
             <a:endParaRPr lang="de-DE"/>
           </a:p>
@@ -858,7 +863,7 @@
           <a:p>
             <a:fld id="{21DD997E-D11E-4767-B618-91F74C4FEF29}" type="datetimeFigureOut">
               <a:rPr lang="de-DE" smtClean="0"/>
-              <a:t>06.06.2021</a:t>
+              <a:t>11.06.2021</a:t>
             </a:fld>
             <a:endParaRPr lang="de-DE"/>
           </a:p>
@@ -1133,7 +1138,7 @@
           <a:p>
             <a:fld id="{21DD997E-D11E-4767-B618-91F74C4FEF29}" type="datetimeFigureOut">
               <a:rPr lang="de-DE" smtClean="0"/>
-              <a:t>06.06.2021</a:t>
+              <a:t>11.06.2021</a:t>
             </a:fld>
             <a:endParaRPr lang="de-DE"/>
           </a:p>
@@ -1398,7 +1403,7 @@
           <a:p>
             <a:fld id="{21DD997E-D11E-4767-B618-91F74C4FEF29}" type="datetimeFigureOut">
               <a:rPr lang="de-DE" smtClean="0"/>
-              <a:t>06.06.2021</a:t>
+              <a:t>11.06.2021</a:t>
             </a:fld>
             <a:endParaRPr lang="de-DE"/>
           </a:p>
@@ -1810,7 +1815,7 @@
           <a:p>
             <a:fld id="{21DD997E-D11E-4767-B618-91F74C4FEF29}" type="datetimeFigureOut">
               <a:rPr lang="de-DE" smtClean="0"/>
-              <a:t>06.06.2021</a:t>
+              <a:t>11.06.2021</a:t>
             </a:fld>
             <a:endParaRPr lang="de-DE"/>
           </a:p>
@@ -1951,7 +1956,7 @@
           <a:p>
             <a:fld id="{21DD997E-D11E-4767-B618-91F74C4FEF29}" type="datetimeFigureOut">
               <a:rPr lang="de-DE" smtClean="0"/>
-              <a:t>06.06.2021</a:t>
+              <a:t>11.06.2021</a:t>
             </a:fld>
             <a:endParaRPr lang="de-DE"/>
           </a:p>
@@ -2064,7 +2069,7 @@
           <a:p>
             <a:fld id="{21DD997E-D11E-4767-B618-91F74C4FEF29}" type="datetimeFigureOut">
               <a:rPr lang="de-DE" smtClean="0"/>
-              <a:t>06.06.2021</a:t>
+              <a:t>11.06.2021</a:t>
             </a:fld>
             <a:endParaRPr lang="de-DE"/>
           </a:p>
@@ -2375,7 +2380,7 @@
           <a:p>
             <a:fld id="{21DD997E-D11E-4767-B618-91F74C4FEF29}" type="datetimeFigureOut">
               <a:rPr lang="de-DE" smtClean="0"/>
-              <a:t>06.06.2021</a:t>
+              <a:t>11.06.2021</a:t>
             </a:fld>
             <a:endParaRPr lang="de-DE"/>
           </a:p>
@@ -2663,7 +2668,7 @@
           <a:p>
             <a:fld id="{21DD997E-D11E-4767-B618-91F74C4FEF29}" type="datetimeFigureOut">
               <a:rPr lang="de-DE" smtClean="0"/>
-              <a:t>06.06.2021</a:t>
+              <a:t>11.06.2021</a:t>
             </a:fld>
             <a:endParaRPr lang="de-DE"/>
           </a:p>
@@ -2904,7 +2909,7 @@
           <a:p>
             <a:fld id="{21DD997E-D11E-4767-B618-91F74C4FEF29}" type="datetimeFigureOut">
               <a:rPr lang="de-DE" smtClean="0"/>
-              <a:t>06.06.2021</a:t>
+              <a:t>11.06.2021</a:t>
             </a:fld>
             <a:endParaRPr lang="de-DE"/>
           </a:p>
@@ -3403,47 +3408,6 @@
           </a:fontRef>
         </p:style>
       </p:cxnSp>
-      <p:cxnSp>
-        <p:nvCxnSpPr>
-          <p:cNvPr id="42" name="Gerade Verbindung mit Pfeil 41">
-            <a:extLst>
-              <a:ext uri="{FF2B5EF4-FFF2-40B4-BE49-F238E27FC236}">
-                <a16:creationId xmlns:a16="http://schemas.microsoft.com/office/drawing/2014/main" id="{2EB503ED-3275-44B4-89E4-C05732F8B5CB}"/>
-              </a:ext>
-            </a:extLst>
-          </p:cNvPr>
-          <p:cNvCxnSpPr>
-            <a:cxnSpLocks/>
-          </p:cNvCxnSpPr>
-          <p:nvPr/>
-        </p:nvCxnSpPr>
-        <p:spPr>
-          <a:xfrm>
-            <a:off x="6879042" y="1580548"/>
-            <a:ext cx="1461563" cy="1357869"/>
-          </a:xfrm>
-          <a:prstGeom prst="straightConnector1">
-            <a:avLst/>
-          </a:prstGeom>
-          <a:ln>
-            <a:tailEnd type="triangle"/>
-          </a:ln>
-        </p:spPr>
-        <p:style>
-          <a:lnRef idx="1">
-            <a:schemeClr val="accent1"/>
-          </a:lnRef>
-          <a:fillRef idx="0">
-            <a:schemeClr val="accent1"/>
-          </a:fillRef>
-          <a:effectRef idx="0">
-            <a:schemeClr val="accent1"/>
-          </a:effectRef>
-          <a:fontRef idx="minor">
-            <a:schemeClr val="tx1"/>
-          </a:fontRef>
-        </p:style>
-      </p:cxnSp>
       <p:sp>
         <p:nvSpPr>
           <p:cNvPr id="40" name="Rechteck: abgerundete Ecken 39">
@@ -3532,47 +3496,6 @@
           </a:p>
         </p:txBody>
       </p:sp>
-      <p:cxnSp>
-        <p:nvCxnSpPr>
-          <p:cNvPr id="14" name="Gerade Verbindung mit Pfeil 13">
-            <a:extLst>
-              <a:ext uri="{FF2B5EF4-FFF2-40B4-BE49-F238E27FC236}">
-                <a16:creationId xmlns:a16="http://schemas.microsoft.com/office/drawing/2014/main" id="{C1465CA9-7B6A-4411-BDA7-A0DF344A66A1}"/>
-              </a:ext>
-            </a:extLst>
-          </p:cNvPr>
-          <p:cNvCxnSpPr>
-            <a:cxnSpLocks/>
-          </p:cNvCxnSpPr>
-          <p:nvPr/>
-        </p:nvCxnSpPr>
-        <p:spPr>
-          <a:xfrm flipH="1">
-            <a:off x="3546274" y="1590149"/>
-            <a:ext cx="1461563" cy="1357869"/>
-          </a:xfrm>
-          <a:prstGeom prst="straightConnector1">
-            <a:avLst/>
-          </a:prstGeom>
-          <a:ln>
-            <a:tailEnd type="triangle"/>
-          </a:ln>
-        </p:spPr>
-        <p:style>
-          <a:lnRef idx="1">
-            <a:schemeClr val="accent1"/>
-          </a:lnRef>
-          <a:fillRef idx="0">
-            <a:schemeClr val="accent1"/>
-          </a:fillRef>
-          <a:effectRef idx="0">
-            <a:schemeClr val="accent1"/>
-          </a:effectRef>
-          <a:fontRef idx="minor">
-            <a:schemeClr val="tx1"/>
-          </a:fontRef>
-        </p:style>
-      </p:cxnSp>
       <p:sp>
         <p:nvSpPr>
           <p:cNvPr id="30" name="Rechteck: abgerundete Ecken 29">
@@ -3631,8 +3554,8 @@
         </p:nvSpPr>
         <p:spPr>
           <a:xfrm>
-            <a:off x="4500887" y="395654"/>
-            <a:ext cx="2885105" cy="1419859"/>
+            <a:off x="2956265" y="123078"/>
+            <a:ext cx="5477522" cy="1881890"/>
           </a:xfrm>
           <a:prstGeom prst="roundRect">
             <a:avLst/>
@@ -3987,7 +3910,7 @@
         </p:nvGrpSpPr>
         <p:grpSpPr>
           <a:xfrm>
-            <a:off x="4647320" y="468512"/>
+            <a:off x="4398907" y="135356"/>
             <a:ext cx="2592239" cy="1274143"/>
             <a:chOff x="4647320" y="495656"/>
             <a:chExt cx="2592239" cy="1274143"/>
@@ -4075,6 +3998,268 @@
           </p:txBody>
         </p:sp>
       </p:grpSp>
+      <p:grpSp>
+        <p:nvGrpSpPr>
+          <p:cNvPr id="10" name="Gruppieren 9">
+            <a:extLst>
+              <a:ext uri="{FF2B5EF4-FFF2-40B4-BE49-F238E27FC236}">
+                <a16:creationId xmlns:a16="http://schemas.microsoft.com/office/drawing/2014/main" id="{0A5F5265-14B5-4223-91FA-9C22E33B8830}"/>
+              </a:ext>
+            </a:extLst>
+          </p:cNvPr>
+          <p:cNvGrpSpPr/>
+          <p:nvPr/>
+        </p:nvGrpSpPr>
+        <p:grpSpPr>
+          <a:xfrm>
+            <a:off x="6284815" y="1310874"/>
+            <a:ext cx="1952194" cy="608582"/>
+            <a:chOff x="6290347" y="1310874"/>
+            <a:chExt cx="1952194" cy="608582"/>
+          </a:xfrm>
+        </p:grpSpPr>
+        <p:sp>
+          <p:nvSpPr>
+            <p:cNvPr id="25" name="Rechteck: abgerundete Ecken 24">
+              <a:extLst>
+                <a:ext uri="{FF2B5EF4-FFF2-40B4-BE49-F238E27FC236}">
+                  <a16:creationId xmlns:a16="http://schemas.microsoft.com/office/drawing/2014/main" id="{5E327724-C5AB-4AB5-A4B9-6C9C422B7390}"/>
+                </a:ext>
+              </a:extLst>
+            </p:cNvPr>
+            <p:cNvSpPr/>
+            <p:nvPr/>
+          </p:nvSpPr>
+          <p:spPr>
+            <a:xfrm>
+              <a:off x="6290347" y="1310874"/>
+              <a:ext cx="1952194" cy="608582"/>
+            </a:xfrm>
+            <a:prstGeom prst="roundRect">
+              <a:avLst/>
+            </a:prstGeom>
+          </p:spPr>
+          <p:style>
+            <a:lnRef idx="2">
+              <a:schemeClr val="accent3"/>
+            </a:lnRef>
+            <a:fillRef idx="1">
+              <a:schemeClr val="lt1"/>
+            </a:fillRef>
+            <a:effectRef idx="0">
+              <a:schemeClr val="accent3"/>
+            </a:effectRef>
+            <a:fontRef idx="minor">
+              <a:schemeClr val="dk1"/>
+            </a:fontRef>
+          </p:style>
+          <p:txBody>
+            <a:bodyPr rtlCol="0" anchor="ctr"/>
+            <a:lstStyle/>
+            <a:p>
+              <a:pPr algn="ctr"/>
+              <a:endParaRPr lang="de-DE"/>
+            </a:p>
+          </p:txBody>
+        </p:sp>
+        <p:pic>
+          <p:nvPicPr>
+            <p:cNvPr id="1026" name="Picture 2" descr="How to Connect Express and React App with Axios API request">
+              <a:extLst>
+                <a:ext uri="{FF2B5EF4-FFF2-40B4-BE49-F238E27FC236}">
+                  <a16:creationId xmlns:a16="http://schemas.microsoft.com/office/drawing/2014/main" id="{D41D5B48-B5EA-4582-B302-DA586B4D9AE7}"/>
+                </a:ext>
+              </a:extLst>
+            </p:cNvPr>
+            <p:cNvPicPr>
+              <a:picLocks noChangeAspect="1" noChangeArrowheads="1"/>
+            </p:cNvPicPr>
+            <p:nvPr/>
+          </p:nvPicPr>
+          <p:blipFill rotWithShape="1">
+            <a:blip r:embed="rId6">
+              <a:extLst>
+                <a:ext uri="{28A0092B-C50C-407E-A947-70E740481C1C}">
+                  <a14:useLocalDpi xmlns:a14="http://schemas.microsoft.com/office/drawing/2010/main" val="0"/>
+                </a:ext>
+              </a:extLst>
+            </a:blip>
+            <a:srcRect l="18131" t="12461" r="18115" b="56548"/>
+            <a:stretch/>
+          </p:blipFill>
+          <p:spPr bwMode="auto">
+            <a:xfrm>
+              <a:off x="6426449" y="1388667"/>
+              <a:ext cx="1679990" cy="452996"/>
+            </a:xfrm>
+            <a:prstGeom prst="rect">
+              <a:avLst/>
+            </a:prstGeom>
+            <a:noFill/>
+            <a:extLst>
+              <a:ext uri="{909E8E84-426E-40DD-AFC4-6F175D3DCCD1}">
+                <a14:hiddenFill xmlns:a14="http://schemas.microsoft.com/office/drawing/2010/main">
+                  <a:solidFill>
+                    <a:srgbClr val="FFFFFF"/>
+                  </a:solidFill>
+                </a14:hiddenFill>
+              </a:ext>
+            </a:extLst>
+          </p:spPr>
+        </p:pic>
+      </p:grpSp>
+      <p:grpSp>
+        <p:nvGrpSpPr>
+          <p:cNvPr id="12" name="Gruppieren 11">
+            <a:extLst>
+              <a:ext uri="{FF2B5EF4-FFF2-40B4-BE49-F238E27FC236}">
+                <a16:creationId xmlns:a16="http://schemas.microsoft.com/office/drawing/2014/main" id="{A1545A62-FE9B-4613-8329-7CFCA099CDEE}"/>
+              </a:ext>
+            </a:extLst>
+          </p:cNvPr>
+          <p:cNvGrpSpPr/>
+          <p:nvPr/>
+        </p:nvGrpSpPr>
+        <p:grpSpPr>
+          <a:xfrm>
+            <a:off x="3153044" y="1335685"/>
+            <a:ext cx="1952194" cy="618290"/>
+            <a:chOff x="3158576" y="1335685"/>
+            <a:chExt cx="1952194" cy="618290"/>
+          </a:xfrm>
+        </p:grpSpPr>
+        <p:sp>
+          <p:nvSpPr>
+            <p:cNvPr id="34" name="Rechteck: abgerundete Ecken 33">
+              <a:extLst>
+                <a:ext uri="{FF2B5EF4-FFF2-40B4-BE49-F238E27FC236}">
+                  <a16:creationId xmlns:a16="http://schemas.microsoft.com/office/drawing/2014/main" id="{336D9685-6CB0-4116-B4B7-BFFAC076E3CD}"/>
+                </a:ext>
+              </a:extLst>
+            </p:cNvPr>
+            <p:cNvSpPr/>
+            <p:nvPr/>
+          </p:nvSpPr>
+          <p:spPr>
+            <a:xfrm>
+              <a:off x="3158576" y="1340539"/>
+              <a:ext cx="1952194" cy="608582"/>
+            </a:xfrm>
+            <a:prstGeom prst="roundRect">
+              <a:avLst/>
+            </a:prstGeom>
+          </p:spPr>
+          <p:style>
+            <a:lnRef idx="2">
+              <a:schemeClr val="accent3"/>
+            </a:lnRef>
+            <a:fillRef idx="1">
+              <a:schemeClr val="lt1"/>
+            </a:fillRef>
+            <a:effectRef idx="0">
+              <a:schemeClr val="accent3"/>
+            </a:effectRef>
+            <a:fontRef idx="minor">
+              <a:schemeClr val="dk1"/>
+            </a:fontRef>
+          </p:style>
+          <p:txBody>
+            <a:bodyPr rtlCol="0" anchor="ctr"/>
+            <a:lstStyle/>
+            <a:p>
+              <a:pPr algn="ctr"/>
+              <a:endParaRPr lang="de-DE"/>
+            </a:p>
+          </p:txBody>
+        </p:sp>
+        <p:pic>
+          <p:nvPicPr>
+            <p:cNvPr id="2" name="Picture 6" descr="What&amp;#39;s new with Apollo Client v3 and GraphQL Codegen - The Guild Blog">
+              <a:extLst>
+                <a:ext uri="{FF2B5EF4-FFF2-40B4-BE49-F238E27FC236}">
+                  <a16:creationId xmlns:a16="http://schemas.microsoft.com/office/drawing/2014/main" id="{71D279CF-2815-40DE-956B-4499EF8BE468}"/>
+                </a:ext>
+              </a:extLst>
+            </p:cNvPr>
+            <p:cNvPicPr>
+              <a:picLocks noChangeAspect="1" noChangeArrowheads="1"/>
+            </p:cNvPicPr>
+            <p:nvPr/>
+          </p:nvPicPr>
+          <p:blipFill rotWithShape="1">
+            <a:blip r:embed="rId7">
+              <a:extLst>
+                <a:ext uri="{28A0092B-C50C-407E-A947-70E740481C1C}">
+                  <a14:useLocalDpi xmlns:a14="http://schemas.microsoft.com/office/drawing/2010/main" val="0"/>
+                </a:ext>
+              </a:extLst>
+            </a:blip>
+            <a:srcRect l="50800" t="30997" b="24195"/>
+            <a:stretch/>
+          </p:blipFill>
+          <p:spPr bwMode="auto">
+            <a:xfrm>
+              <a:off x="3342613" y="1335685"/>
+              <a:ext cx="1584121" cy="618290"/>
+            </a:xfrm>
+            <a:prstGeom prst="rect">
+              <a:avLst/>
+            </a:prstGeom>
+            <a:noFill/>
+            <a:extLst>
+              <a:ext uri="{909E8E84-426E-40DD-AFC4-6F175D3DCCD1}">
+                <a14:hiddenFill xmlns:a14="http://schemas.microsoft.com/office/drawing/2010/main">
+                  <a:solidFill>
+                    <a:srgbClr val="FFFFFF"/>
+                  </a:solidFill>
+                </a14:hiddenFill>
+              </a:ext>
+            </a:extLst>
+          </p:spPr>
+        </p:pic>
+      </p:grpSp>
+      <p:cxnSp>
+        <p:nvCxnSpPr>
+          <p:cNvPr id="14" name="Gerade Verbindung mit Pfeil 13">
+            <a:extLst>
+              <a:ext uri="{FF2B5EF4-FFF2-40B4-BE49-F238E27FC236}">
+                <a16:creationId xmlns:a16="http://schemas.microsoft.com/office/drawing/2014/main" id="{C1465CA9-7B6A-4411-BDA7-A0DF344A66A1}"/>
+              </a:ext>
+            </a:extLst>
+          </p:cNvPr>
+          <p:cNvCxnSpPr>
+            <a:cxnSpLocks/>
+            <a:stCxn id="34" idx="2"/>
+          </p:cNvCxnSpPr>
+          <p:nvPr/>
+        </p:nvCxnSpPr>
+        <p:spPr>
+          <a:xfrm flipH="1">
+            <a:off x="3546277" y="1949121"/>
+            <a:ext cx="582864" cy="998897"/>
+          </a:xfrm>
+          <a:prstGeom prst="straightConnector1">
+            <a:avLst/>
+          </a:prstGeom>
+          <a:ln>
+            <a:tailEnd type="triangle"/>
+          </a:ln>
+        </p:spPr>
+        <p:style>
+          <a:lnRef idx="1">
+            <a:schemeClr val="accent1"/>
+          </a:lnRef>
+          <a:fillRef idx="0">
+            <a:schemeClr val="accent1"/>
+          </a:fillRef>
+          <a:effectRef idx="0">
+            <a:schemeClr val="accent1"/>
+          </a:effectRef>
+          <a:fontRef idx="minor">
+            <a:schemeClr val="tx1"/>
+          </a:fontRef>
+        </p:style>
+      </p:cxnSp>
       <p:pic>
         <p:nvPicPr>
           <p:cNvPr id="1038" name="Picture 14" descr="Developing GraphQL API on ABAP: The Inspiration | SAP Blogs">
@@ -4090,7 +4275,7 @@
           <p:nvPr/>
         </p:nvPicPr>
         <p:blipFill>
-          <a:blip r:embed="rId6">
+          <a:blip r:embed="rId8">
             <a:extLst>
               <a:ext uri="{28A0092B-C50C-407E-A947-70E740481C1C}">
                 <a14:useLocalDpi xmlns:a14="http://schemas.microsoft.com/office/drawing/2010/main" val="0"/>
@@ -4104,7 +4289,7 @@
         </p:blipFill>
         <p:spPr bwMode="auto">
           <a:xfrm>
-            <a:off x="3072213" y="2004968"/>
+            <a:off x="2956265" y="2055492"/>
             <a:ext cx="1858710" cy="650549"/>
           </a:xfrm>
           <a:prstGeom prst="rect">
@@ -4122,6 +4307,48 @@
           </a:extLst>
         </p:spPr>
       </p:pic>
+      <p:cxnSp>
+        <p:nvCxnSpPr>
+          <p:cNvPr id="42" name="Gerade Verbindung mit Pfeil 41">
+            <a:extLst>
+              <a:ext uri="{FF2B5EF4-FFF2-40B4-BE49-F238E27FC236}">
+                <a16:creationId xmlns:a16="http://schemas.microsoft.com/office/drawing/2014/main" id="{2EB503ED-3275-44B4-89E4-C05732F8B5CB}"/>
+              </a:ext>
+            </a:extLst>
+          </p:cNvPr>
+          <p:cNvCxnSpPr>
+            <a:cxnSpLocks/>
+            <a:stCxn id="25" idx="2"/>
+          </p:cNvCxnSpPr>
+          <p:nvPr/>
+        </p:nvCxnSpPr>
+        <p:spPr>
+          <a:xfrm>
+            <a:off x="7260912" y="1919456"/>
+            <a:ext cx="963943" cy="1018961"/>
+          </a:xfrm>
+          <a:prstGeom prst="straightConnector1">
+            <a:avLst/>
+          </a:prstGeom>
+          <a:ln>
+            <a:tailEnd type="triangle"/>
+          </a:ln>
+        </p:spPr>
+        <p:style>
+          <a:lnRef idx="1">
+            <a:schemeClr val="accent1"/>
+          </a:lnRef>
+          <a:fillRef idx="0">
+            <a:schemeClr val="accent1"/>
+          </a:fillRef>
+          <a:effectRef idx="0">
+            <a:schemeClr val="accent1"/>
+          </a:effectRef>
+          <a:fontRef idx="minor">
+            <a:schemeClr val="tx1"/>
+          </a:fontRef>
+        </p:style>
+      </p:cxnSp>
       <p:sp>
         <p:nvSpPr>
           <p:cNvPr id="17" name="Textfeld 16">
